--- a/Presentation/HTML5.pptx
+++ b/Presentation/HTML5.pptx
@@ -8,8 +8,10 @@
     <p:sldId id="256" r:id="rId2"/>
     <p:sldId id="257" r:id="rId3"/>
     <p:sldId id="258" r:id="rId4"/>
-    <p:sldId id="259" r:id="rId5"/>
-    <p:sldId id="260" r:id="rId6"/>
+    <p:sldId id="261" r:id="rId5"/>
+    <p:sldId id="262" r:id="rId6"/>
+    <p:sldId id="259" r:id="rId7"/>
+    <p:sldId id="260" r:id="rId8"/>
   </p:sldIdLst>
   <p:sldSz cx="12192000" cy="6858000"/>
   <p:notesSz cx="6858000" cy="9144000"/>
@@ -108,6 +110,11 @@
       </a:defRPr>
     </a:lvl9pPr>
   </p:defaultTextStyle>
+  <p:extLst>
+    <p:ext uri="{EFAFB233-063F-42B5-8137-9DF3F51BA10A}">
+      <p15:sldGuideLst xmlns:p15="http://schemas.microsoft.com/office/powerpoint/2012/main"/>
+    </p:ext>
+  </p:extLst>
 </p:presentation>
 </file>
 
@@ -3828,8 +3835,42 @@
         </p:nvSpPr>
         <p:spPr>
           <a:xfrm>
-            <a:off x="2336800" y="338136"/>
+            <a:off x="2552700" y="338136"/>
             <a:ext cx="9144000" cy="1211263"/>
+          </a:xfrm>
+        </p:spPr>
+        <p:txBody>
+          <a:bodyPr>
+            <a:normAutofit fontScale="90000"/>
+          </a:bodyPr>
+          <a:lstStyle/>
+          <a:p>
+            <a:r>
+              <a:rPr lang="de-AT" dirty="0"/>
+              <a:t>HTML5 | Intermediate </a:t>
+            </a:r>
+            <a:r>
+              <a:rPr lang="de-AT" dirty="0" err="1"/>
+              <a:t>exercises</a:t>
+            </a:r>
+            <a:endParaRPr lang="de-AT" dirty="0"/>
+          </a:p>
+        </p:txBody>
+      </p:sp>
+      <p:sp>
+        <p:nvSpPr>
+          <p:cNvPr id="3" name="Untertitel 2"/>
+          <p:cNvSpPr>
+            <a:spLocks noGrp="1"/>
+          </p:cNvSpPr>
+          <p:nvPr>
+            <p:ph type="subTitle" idx="1"/>
+          </p:nvPr>
+        </p:nvSpPr>
+        <p:spPr>
+          <a:xfrm>
+            <a:off x="1295401" y="2038794"/>
+            <a:ext cx="9144000" cy="1488610"/>
           </a:xfrm>
         </p:spPr>
         <p:txBody>
@@ -3838,22 +3879,34 @@
           </a:bodyPr>
           <a:lstStyle/>
           <a:p>
-            <a:r>
-              <a:rPr lang="de-AT" dirty="0"/>
-              <a:t>HTML5 | </a:t>
-            </a:r>
-            <a:r>
-              <a:rPr lang="de-AT" dirty="0" err="1"/>
-              <a:t>Advanced</a:t>
-            </a:r>
-            <a:r>
-              <a:rPr lang="de-AT" dirty="0"/>
+            <a:pPr algn="l"/>
+            <a:r>
+              <a:rPr lang="de-AT" b="1" dirty="0" err="1"/>
+              <a:t>Contact</a:t>
+            </a:r>
+            <a:r>
+              <a:rPr lang="de-AT" b="1" dirty="0"/>
               <a:t> </a:t>
             </a:r>
             <a:r>
-              <a:rPr lang="de-AT" dirty="0" err="1" smtClean="0"/>
-              <a:t>Exercise</a:t>
-            </a:r>
+              <a:rPr lang="de-AT" b="1" dirty="0" smtClean="0"/>
+              <a:t>form</a:t>
+            </a:r>
+            <a:r>
+              <a:rPr lang="de-AT" b="1" dirty="0" smtClean="0"/>
+              <a:t>:</a:t>
+            </a:r>
+            <a:endParaRPr lang="de-AT" dirty="0"/>
+          </a:p>
+          <a:p>
+            <a:pPr algn="l"/>
+            <a:endParaRPr lang="de-AT" dirty="0"/>
+          </a:p>
+          <a:p>
+            <a:pPr algn="l"/>
+            <a:endParaRPr lang="de-AT" dirty="0"/>
+          </a:p>
+          <a:p>
             <a:endParaRPr lang="de-AT" dirty="0"/>
           </a:p>
         </p:txBody>
@@ -3888,6 +3941,380 @@
           </a:prstGeom>
         </p:spPr>
       </p:pic>
+      <p:pic>
+        <p:nvPicPr>
+          <p:cNvPr id="6" name="Grafik 5"/>
+          <p:cNvPicPr>
+            <a:picLocks noChangeAspect="1"/>
+          </p:cNvPicPr>
+          <p:nvPr/>
+        </p:nvPicPr>
+        <p:blipFill>
+          <a:blip r:embed="rId3">
+            <a:extLst>
+              <a:ext uri="{28A0092B-C50C-407E-A947-70E740481C1C}">
+                <a14:useLocalDpi xmlns:a14="http://schemas.microsoft.com/office/drawing/2010/main" val="0"/>
+              </a:ext>
+            </a:extLst>
+          </a:blip>
+          <a:stretch>
+            <a:fillRect/>
+          </a:stretch>
+        </p:blipFill>
+        <p:spPr>
+          <a:xfrm>
+            <a:off x="1351744" y="2783099"/>
+            <a:ext cx="5772956" cy="3648584"/>
+          </a:xfrm>
+          <a:prstGeom prst="rect">
+            <a:avLst/>
+          </a:prstGeom>
+        </p:spPr>
+      </p:pic>
+      <p:pic>
+        <p:nvPicPr>
+          <p:cNvPr id="7" name="Grafik 6"/>
+          <p:cNvPicPr>
+            <a:picLocks noChangeAspect="1"/>
+          </p:cNvPicPr>
+          <p:nvPr/>
+        </p:nvPicPr>
+        <p:blipFill>
+          <a:blip r:embed="rId4">
+            <a:extLst>
+              <a:ext uri="{28A0092B-C50C-407E-A947-70E740481C1C}">
+                <a14:useLocalDpi xmlns:a14="http://schemas.microsoft.com/office/drawing/2010/main" val="0"/>
+              </a:ext>
+            </a:extLst>
+          </a:blip>
+          <a:stretch>
+            <a:fillRect/>
+          </a:stretch>
+        </p:blipFill>
+        <p:spPr>
+          <a:xfrm>
+            <a:off x="7784898" y="2184129"/>
+            <a:ext cx="2896004" cy="3886742"/>
+          </a:xfrm>
+          <a:prstGeom prst="rect">
+            <a:avLst/>
+          </a:prstGeom>
+        </p:spPr>
+      </p:pic>
+    </p:spTree>
+    <p:extLst>
+      <p:ext uri="{BB962C8B-B14F-4D97-AF65-F5344CB8AC3E}">
+        <p14:creationId xmlns:p14="http://schemas.microsoft.com/office/powerpoint/2010/main" val="1582213119"/>
+      </p:ext>
+    </p:extLst>
+  </p:cSld>
+  <p:clrMapOvr>
+    <a:masterClrMapping/>
+  </p:clrMapOvr>
+</p:sld>
+</file>
+
+<file path=ppt/slides/slide5.xml><?xml version="1.0" encoding="utf-8"?>
+<p:sld xmlns:a="http://schemas.openxmlformats.org/drawingml/2006/main" xmlns:r="http://schemas.openxmlformats.org/officeDocument/2006/relationships" xmlns:p="http://schemas.openxmlformats.org/presentationml/2006/main">
+  <p:cSld>
+    <p:spTree>
+      <p:nvGrpSpPr>
+        <p:cNvPr id="1" name=""/>
+        <p:cNvGrpSpPr/>
+        <p:nvPr/>
+      </p:nvGrpSpPr>
+      <p:grpSpPr>
+        <a:xfrm>
+          <a:off x="0" y="0"/>
+          <a:ext cx="0" cy="0"/>
+          <a:chOff x="0" y="0"/>
+          <a:chExt cx="0" cy="0"/>
+        </a:xfrm>
+      </p:grpSpPr>
+      <p:sp>
+        <p:nvSpPr>
+          <p:cNvPr id="2" name="Titel 1"/>
+          <p:cNvSpPr>
+            <a:spLocks noGrp="1"/>
+          </p:cNvSpPr>
+          <p:nvPr>
+            <p:ph type="ctrTitle"/>
+          </p:nvPr>
+        </p:nvSpPr>
+        <p:spPr>
+          <a:xfrm>
+            <a:off x="2552700" y="338136"/>
+            <a:ext cx="9144000" cy="1211263"/>
+          </a:xfrm>
+        </p:spPr>
+        <p:txBody>
+          <a:bodyPr>
+            <a:normAutofit fontScale="90000"/>
+          </a:bodyPr>
+          <a:lstStyle/>
+          <a:p>
+            <a:r>
+              <a:rPr lang="de-AT" dirty="0"/>
+              <a:t>HTML5 | Intermediate </a:t>
+            </a:r>
+            <a:r>
+              <a:rPr lang="de-AT" dirty="0" err="1"/>
+              <a:t>exercises</a:t>
+            </a:r>
+            <a:endParaRPr lang="de-AT" dirty="0"/>
+          </a:p>
+        </p:txBody>
+      </p:sp>
+      <p:sp>
+        <p:nvSpPr>
+          <p:cNvPr id="3" name="Untertitel 2"/>
+          <p:cNvSpPr>
+            <a:spLocks noGrp="1"/>
+          </p:cNvSpPr>
+          <p:nvPr>
+            <p:ph type="subTitle" idx="1"/>
+          </p:nvPr>
+        </p:nvSpPr>
+        <p:spPr>
+          <a:xfrm>
+            <a:off x="2705101" y="1549399"/>
+            <a:ext cx="9144000" cy="1488610"/>
+          </a:xfrm>
+        </p:spPr>
+        <p:txBody>
+          <a:bodyPr>
+            <a:normAutofit/>
+          </a:bodyPr>
+          <a:lstStyle/>
+          <a:p>
+            <a:pPr algn="l"/>
+            <a:r>
+              <a:rPr lang="de-AT" b="1" dirty="0" err="1"/>
+              <a:t>Recreate</a:t>
+            </a:r>
+            <a:r>
+              <a:rPr lang="de-AT" b="1" dirty="0"/>
+              <a:t> </a:t>
+            </a:r>
+            <a:r>
+              <a:rPr lang="de-AT" b="1" dirty="0" err="1"/>
+              <a:t>the</a:t>
+            </a:r>
+            <a:r>
+              <a:rPr lang="de-AT" b="1" dirty="0"/>
+              <a:t> </a:t>
+            </a:r>
+            <a:r>
+              <a:rPr lang="de-AT" b="1" dirty="0" err="1" smtClean="0"/>
+              <a:t>structure</a:t>
+            </a:r>
+            <a:r>
+              <a:rPr lang="de-AT" b="1" dirty="0" smtClean="0"/>
+              <a:t>:</a:t>
+            </a:r>
+            <a:endParaRPr lang="de-AT" dirty="0"/>
+          </a:p>
+          <a:p>
+            <a:pPr algn="l"/>
+            <a:endParaRPr lang="de-AT" dirty="0"/>
+          </a:p>
+          <a:p>
+            <a:endParaRPr lang="de-AT" dirty="0"/>
+          </a:p>
+        </p:txBody>
+      </p:sp>
+      <p:pic>
+        <p:nvPicPr>
+          <p:cNvPr id="4" name="Grafik 3"/>
+          <p:cNvPicPr>
+            <a:picLocks noChangeAspect="1"/>
+          </p:cNvPicPr>
+          <p:nvPr/>
+        </p:nvPicPr>
+        <p:blipFill>
+          <a:blip r:embed="rId2" cstate="print">
+            <a:extLst>
+              <a:ext uri="{28A0092B-C50C-407E-A947-70E740481C1C}">
+                <a14:useLocalDpi xmlns:a14="http://schemas.microsoft.com/office/drawing/2010/main" val="0"/>
+              </a:ext>
+            </a:extLst>
+          </a:blip>
+          <a:stretch>
+            <a:fillRect/>
+          </a:stretch>
+        </p:blipFill>
+        <p:spPr>
+          <a:xfrm>
+            <a:off x="952501" y="338136"/>
+            <a:ext cx="1600199" cy="1600199"/>
+          </a:xfrm>
+          <a:prstGeom prst="rect">
+            <a:avLst/>
+          </a:prstGeom>
+        </p:spPr>
+      </p:pic>
+      <p:pic>
+        <p:nvPicPr>
+          <p:cNvPr id="5" name="Grafik 4"/>
+          <p:cNvPicPr>
+            <a:picLocks noChangeAspect="1"/>
+          </p:cNvPicPr>
+          <p:nvPr/>
+        </p:nvPicPr>
+        <p:blipFill>
+          <a:blip r:embed="rId3">
+            <a:extLst>
+              <a:ext uri="{28A0092B-C50C-407E-A947-70E740481C1C}">
+                <a14:useLocalDpi xmlns:a14="http://schemas.microsoft.com/office/drawing/2010/main" val="0"/>
+              </a:ext>
+            </a:extLst>
+          </a:blip>
+          <a:stretch>
+            <a:fillRect/>
+          </a:stretch>
+        </p:blipFill>
+        <p:spPr>
+          <a:xfrm>
+            <a:off x="7476535" y="1689100"/>
+            <a:ext cx="3485553" cy="4318881"/>
+          </a:xfrm>
+          <a:prstGeom prst="rect">
+            <a:avLst/>
+          </a:prstGeom>
+        </p:spPr>
+      </p:pic>
+      <p:pic>
+        <p:nvPicPr>
+          <p:cNvPr id="8" name="Grafik 7"/>
+          <p:cNvPicPr>
+            <a:picLocks noChangeAspect="1"/>
+          </p:cNvPicPr>
+          <p:nvPr/>
+        </p:nvPicPr>
+        <p:blipFill>
+          <a:blip r:embed="rId4">
+            <a:extLst>
+              <a:ext uri="{28A0092B-C50C-407E-A947-70E740481C1C}">
+                <a14:useLocalDpi xmlns:a14="http://schemas.microsoft.com/office/drawing/2010/main" val="0"/>
+              </a:ext>
+            </a:extLst>
+          </a:blip>
+          <a:stretch>
+            <a:fillRect/>
+          </a:stretch>
+        </p:blipFill>
+        <p:spPr>
+          <a:xfrm>
+            <a:off x="1251545" y="2780834"/>
+            <a:ext cx="5744377" cy="2734057"/>
+          </a:xfrm>
+          <a:prstGeom prst="rect">
+            <a:avLst/>
+          </a:prstGeom>
+        </p:spPr>
+      </p:pic>
+    </p:spTree>
+    <p:extLst>
+      <p:ext uri="{BB962C8B-B14F-4D97-AF65-F5344CB8AC3E}">
+        <p14:creationId xmlns:p14="http://schemas.microsoft.com/office/powerpoint/2010/main" val="1500277798"/>
+      </p:ext>
+    </p:extLst>
+  </p:cSld>
+  <p:clrMapOvr>
+    <a:masterClrMapping/>
+  </p:clrMapOvr>
+</p:sld>
+</file>
+
+<file path=ppt/slides/slide6.xml><?xml version="1.0" encoding="utf-8"?>
+<p:sld xmlns:a="http://schemas.openxmlformats.org/drawingml/2006/main" xmlns:r="http://schemas.openxmlformats.org/officeDocument/2006/relationships" xmlns:p="http://schemas.openxmlformats.org/presentationml/2006/main">
+  <p:cSld>
+    <p:spTree>
+      <p:nvGrpSpPr>
+        <p:cNvPr id="1" name=""/>
+        <p:cNvGrpSpPr/>
+        <p:nvPr/>
+      </p:nvGrpSpPr>
+      <p:grpSpPr>
+        <a:xfrm>
+          <a:off x="0" y="0"/>
+          <a:ext cx="0" cy="0"/>
+          <a:chOff x="0" y="0"/>
+          <a:chExt cx="0" cy="0"/>
+        </a:xfrm>
+      </p:grpSpPr>
+      <p:sp>
+        <p:nvSpPr>
+          <p:cNvPr id="2" name="Titel 1"/>
+          <p:cNvSpPr>
+            <a:spLocks noGrp="1"/>
+          </p:cNvSpPr>
+          <p:nvPr>
+            <p:ph type="ctrTitle"/>
+          </p:nvPr>
+        </p:nvSpPr>
+        <p:spPr>
+          <a:xfrm>
+            <a:off x="2336800" y="338136"/>
+            <a:ext cx="9144000" cy="1211263"/>
+          </a:xfrm>
+        </p:spPr>
+        <p:txBody>
+          <a:bodyPr>
+            <a:normAutofit/>
+          </a:bodyPr>
+          <a:lstStyle/>
+          <a:p>
+            <a:r>
+              <a:rPr lang="de-AT" dirty="0"/>
+              <a:t>HTML5 | </a:t>
+            </a:r>
+            <a:r>
+              <a:rPr lang="de-AT" dirty="0" err="1"/>
+              <a:t>Advanced</a:t>
+            </a:r>
+            <a:r>
+              <a:rPr lang="de-AT" dirty="0"/>
+              <a:t> </a:t>
+            </a:r>
+            <a:r>
+              <a:rPr lang="de-AT" dirty="0" err="1" smtClean="0"/>
+              <a:t>Exercise</a:t>
+            </a:r>
+            <a:endParaRPr lang="de-AT" dirty="0"/>
+          </a:p>
+        </p:txBody>
+      </p:sp>
+      <p:pic>
+        <p:nvPicPr>
+          <p:cNvPr id="4" name="Grafik 3"/>
+          <p:cNvPicPr>
+            <a:picLocks noChangeAspect="1"/>
+          </p:cNvPicPr>
+          <p:nvPr/>
+        </p:nvPicPr>
+        <p:blipFill>
+          <a:blip r:embed="rId2" cstate="print">
+            <a:extLst>
+              <a:ext uri="{28A0092B-C50C-407E-A947-70E740481C1C}">
+                <a14:useLocalDpi xmlns:a14="http://schemas.microsoft.com/office/drawing/2010/main" val="0"/>
+              </a:ext>
+            </a:extLst>
+          </a:blip>
+          <a:stretch>
+            <a:fillRect/>
+          </a:stretch>
+        </p:blipFill>
+        <p:spPr>
+          <a:xfrm>
+            <a:off x="952501" y="338136"/>
+            <a:ext cx="1600199" cy="1600199"/>
+          </a:xfrm>
+          <a:prstGeom prst="rect">
+            <a:avLst/>
+          </a:prstGeom>
+        </p:spPr>
+      </p:pic>
       <p:sp>
         <p:nvSpPr>
           <p:cNvPr id="6" name="Untertitel 5"/>
@@ -3981,7 +4408,7 @@
         </p:blipFill>
         <p:spPr>
           <a:xfrm>
-            <a:off x="5899636" y="1549398"/>
+            <a:off x="5353536" y="1549399"/>
             <a:ext cx="5581163" cy="4932763"/>
           </a:xfrm>
           <a:prstGeom prst="rect">
@@ -4002,7 +4429,7 @@
 </p:sld>
 </file>
 
-<file path=ppt/slides/slide5.xml><?xml version="1.0" encoding="utf-8"?>
+<file path=ppt/slides/slide7.xml><?xml version="1.0" encoding="utf-8"?>
 <p:sld xmlns:a="http://schemas.openxmlformats.org/drawingml/2006/main" xmlns:r="http://schemas.openxmlformats.org/officeDocument/2006/relationships" xmlns:p="http://schemas.openxmlformats.org/presentationml/2006/main">
   <p:cSld>
     <p:spTree>

--- a/Presentation/HTML5.pptx
+++ b/Presentation/HTML5.pptx
@@ -3890,11 +3890,7 @@
             </a:r>
             <a:r>
               <a:rPr lang="de-AT" b="1" dirty="0" smtClean="0"/>
-              <a:t>form</a:t>
-            </a:r>
-            <a:r>
-              <a:rPr lang="de-AT" b="1" dirty="0" smtClean="0"/>
-              <a:t>:</a:t>
+              <a:t>form:</a:t>
             </a:r>
             <a:endParaRPr lang="de-AT" dirty="0"/>
           </a:p>
